--- a/ETL_Project_FIFA.pptx
+++ b/ETL_Project_FIFA.pptx
@@ -138,6 +138,7 @@
 <p1510:revInfo xmlns:a="http://schemas.openxmlformats.org/drawingml/2006/main" xmlns:r="http://schemas.openxmlformats.org/officeDocument/2006/relationships" xmlns:p1510="http://schemas.microsoft.com/office/powerpoint/2015/10/main">
   <p1510:revLst>
     <p1510:client id="{231BFDA1-49F3-421E-B873-63E9CFB285E8}" v="3" dt="2020-12-15T02:51:33.322"/>
+    <p1510:client id="{6F27BDB9-3352-4C01-987D-B194BA7CF076}" v="1" dt="2020-12-16T02:18:41.612"/>
   </p1510:revLst>
 </p1510:revInfo>
 </file>
@@ -480,6 +481,38 @@
             <ac:spMk id="3" creationId="{A5D35D04-C497-41E2-95B7-9B0B71D20A03}"/>
           </ac:spMkLst>
         </pc:spChg>
+      </pc:sldChg>
+    </pc:docChg>
+  </pc:docChgLst>
+  <pc:docChgLst>
+    <pc:chgData name="mila OD" userId="ad7e20eb69824bae" providerId="LiveId" clId="{6F27BDB9-3352-4C01-987D-B194BA7CF076}"/>
+    <pc:docChg chg="custSel modSld">
+      <pc:chgData name="mila OD" userId="ad7e20eb69824bae" providerId="LiveId" clId="{6F27BDB9-3352-4C01-987D-B194BA7CF076}" dt="2020-12-16T02:18:49.657" v="15" actId="1037"/>
+      <pc:docMkLst>
+        <pc:docMk/>
+      </pc:docMkLst>
+      <pc:sldChg chg="addSp delSp modSp mod">
+        <pc:chgData name="mila OD" userId="ad7e20eb69824bae" providerId="LiveId" clId="{6F27BDB9-3352-4C01-987D-B194BA7CF076}" dt="2020-12-16T02:18:49.657" v="15" actId="1037"/>
+        <pc:sldMkLst>
+          <pc:docMk/>
+          <pc:sldMk cId="0" sldId="258"/>
+        </pc:sldMkLst>
+        <pc:picChg chg="add mod">
+          <ac:chgData name="mila OD" userId="ad7e20eb69824bae" providerId="LiveId" clId="{6F27BDB9-3352-4C01-987D-B194BA7CF076}" dt="2020-12-16T02:18:49.657" v="15" actId="1037"/>
+          <ac:picMkLst>
+            <pc:docMk/>
+            <pc:sldMk cId="0" sldId="258"/>
+            <ac:picMk id="3" creationId="{BD715FCA-6230-4157-A6E1-65861954746F}"/>
+          </ac:picMkLst>
+        </pc:picChg>
+        <pc:picChg chg="del">
+          <ac:chgData name="mila OD" userId="ad7e20eb69824bae" providerId="LiveId" clId="{6F27BDB9-3352-4C01-987D-B194BA7CF076}" dt="2020-12-16T02:18:03.271" v="0" actId="478"/>
+          <ac:picMkLst>
+            <pc:docMk/>
+            <pc:sldMk cId="0" sldId="258"/>
+            <ac:picMk id="9" creationId="{B9682A9F-B911-4B0D-A68C-BA5C2F5B0B10}"/>
+          </ac:picMkLst>
+        </pc:picChg>
       </pc:sldChg>
     </pc:docChg>
   </pc:docChgLst>
@@ -6494,10 +6527,10 @@
       </p:sp>
       <p:pic>
         <p:nvPicPr>
-          <p:cNvPr id="9" name="Picture 8" descr="Graphical user interface&#10;&#10;Description automatically generated">
+          <p:cNvPr id="3" name="Picture 2" descr="Diagram&#10;&#10;Description automatically generated">
             <a:extLst>
               <a:ext uri="{FF2B5EF4-FFF2-40B4-BE49-F238E27FC236}">
-                <a16:creationId xmlns:a16="http://schemas.microsoft.com/office/drawing/2014/main" id="{B9682A9F-B911-4B0D-A68C-BA5C2F5B0B10}"/>
+                <a16:creationId xmlns:a16="http://schemas.microsoft.com/office/drawing/2014/main" id="{BD715FCA-6230-4157-A6E1-65861954746F}"/>
               </a:ext>
             </a:extLst>
           </p:cNvPr>
@@ -6520,8 +6553,8 @@
         </p:blipFill>
         <p:spPr>
           <a:xfrm>
-            <a:off x="882650" y="2590800"/>
-            <a:ext cx="7378700" cy="2887317"/>
+            <a:off x="990600" y="2514600"/>
+            <a:ext cx="7326891" cy="2431931"/>
           </a:xfrm>
           <a:prstGeom prst="rect">
             <a:avLst/>
